--- a/Final/MM & ES Lab_Project-Proposal_Presentation_of_Team-Bratva.pptx
+++ b/Final/MM & ES Lab_Project-Proposal_Presentation_of_Team-Bratva.pptx
@@ -234,7 +234,7 @@
           <a:p>
             <a:fld id="{FE5B4EDC-59C0-49C7-8ADA-5A781B329E02}" type="datetimeFigureOut">
               <a:rPr lang="en-US"/>
-              <a:t>10/30/2022</a:t>
+              <a:t>11/9/2022</a:t>
             </a:fld>
             <a:endParaRPr/>
           </a:p>
@@ -399,7 +399,7 @@
           <a:p>
             <a:fld id="{F2D8D46A-B586-417D-BFBD-8C8FE0AAF762}" type="datetimeFigureOut">
               <a:rPr lang="en-US"/>
-              <a:t>10/30/2022</a:t>
+              <a:t>11/9/2022</a:t>
             </a:fld>
             <a:endParaRPr/>
           </a:p>
@@ -1417,7 +1417,7 @@
           <a:p>
             <a:fld id="{F0DFD029-FB74-4578-B929-F66AA97659CA}" type="datetimeFigureOut">
               <a:rPr lang="en-US"/>
-              <a:t>10/30/2022</a:t>
+              <a:t>11/9/2022</a:t>
             </a:fld>
             <a:endParaRPr/>
           </a:p>
@@ -1615,7 +1615,7 @@
           <a:p>
             <a:fld id="{F0DFD029-FB74-4578-B929-F66AA97659CA}" type="datetimeFigureOut">
               <a:rPr lang="en-US"/>
-              <a:t>10/30/2022</a:t>
+              <a:t>11/9/2022</a:t>
             </a:fld>
             <a:endParaRPr/>
           </a:p>
@@ -1823,7 +1823,7 @@
           <a:p>
             <a:fld id="{F0DFD029-FB74-4578-B929-F66AA97659CA}" type="datetimeFigureOut">
               <a:rPr lang="en-US"/>
-              <a:t>10/30/2022</a:t>
+              <a:t>11/9/2022</a:t>
             </a:fld>
             <a:endParaRPr/>
           </a:p>
@@ -2021,7 +2021,7 @@
           <a:p>
             <a:fld id="{F0DFD029-FB74-4578-B929-F66AA97659CA}" type="datetimeFigureOut">
               <a:rPr lang="en-US"/>
-              <a:t>10/30/2022</a:t>
+              <a:t>11/9/2022</a:t>
             </a:fld>
             <a:endParaRPr/>
           </a:p>
@@ -2453,7 +2453,7 @@
           <a:p>
             <a:fld id="{F0DFD029-FB74-4578-B929-F66AA97659CA}" type="datetimeFigureOut">
               <a:rPr lang="en-US"/>
-              <a:t>10/30/2022</a:t>
+              <a:t>11/9/2022</a:t>
             </a:fld>
             <a:endParaRPr/>
           </a:p>
@@ -2757,7 +2757,7 @@
           <a:p>
             <a:fld id="{F0DFD029-FB74-4578-B929-F66AA97659CA}" type="datetimeFigureOut">
               <a:rPr lang="en-US"/>
-              <a:t>10/30/2022</a:t>
+              <a:t>11/9/2022</a:t>
             </a:fld>
             <a:endParaRPr/>
           </a:p>
@@ -3213,7 +3213,7 @@
           <a:p>
             <a:fld id="{F0DFD029-FB74-4578-B929-F66AA97659CA}" type="datetimeFigureOut">
               <a:rPr lang="en-US"/>
-              <a:t>10/30/2022</a:t>
+              <a:t>11/9/2022</a:t>
             </a:fld>
             <a:endParaRPr/>
           </a:p>
@@ -3343,7 +3343,7 @@
           <a:p>
             <a:fld id="{F0DFD029-FB74-4578-B929-F66AA97659CA}" type="datetimeFigureOut">
               <a:rPr lang="en-US"/>
-              <a:t>10/30/2022</a:t>
+              <a:t>11/9/2022</a:t>
             </a:fld>
             <a:endParaRPr/>
           </a:p>
@@ -3450,7 +3450,7 @@
           <a:p>
             <a:fld id="{F0DFD029-FB74-4578-B929-F66AA97659CA}" type="datetimeFigureOut">
               <a:rPr lang="en-US"/>
-              <a:t>10/30/2022</a:t>
+              <a:t>11/9/2022</a:t>
             </a:fld>
             <a:endParaRPr/>
           </a:p>
@@ -3749,7 +3749,7 @@
           <a:p>
             <a:fld id="{F0DFD029-FB74-4578-B929-F66AA97659CA}" type="datetimeFigureOut">
               <a:rPr lang="en-US"/>
-              <a:t>10/30/2022</a:t>
+              <a:t>11/9/2022</a:t>
             </a:fld>
             <a:endParaRPr/>
           </a:p>
@@ -4037,7 +4037,7 @@
           <a:p>
             <a:fld id="{F0DFD029-FB74-4578-B929-F66AA97659CA}" type="datetimeFigureOut">
               <a:rPr lang="en-US"/>
-              <a:t>10/30/2022</a:t>
+              <a:t>11/9/2022</a:t>
             </a:fld>
             <a:endParaRPr/>
           </a:p>
@@ -4659,7 +4659,7 @@
             <a:fld id="{F0DFD029-FB74-4578-B929-F66AA97659CA}" type="datetimeFigureOut">
               <a:rPr lang="en-US"/>
               <a:pPr/>
-              <a:t>10/30/2022</a:t>
+              <a:t>11/9/2022</a:t>
             </a:fld>
             <a:endParaRPr/>
           </a:p>
@@ -7928,7 +7928,7 @@
         </p:nvSpPr>
         <p:spPr>
           <a:xfrm>
-            <a:off x="2436812" y="76200"/>
+            <a:off x="2894012" y="148945"/>
             <a:ext cx="7543800" cy="646331"/>
           </a:xfrm>
           <a:prstGeom prst="rect">
@@ -20128,15 +20128,6 @@
 </file>
 
 <file path=customXml/item1.xml><?xml version="1.0" encoding="utf-8"?>
-<?mso-contentType ?>
-<FormTemplates xmlns="http://schemas.microsoft.com/sharepoint/v3/contenttype/forms">
-  <Display>DocumentLibraryForm</Display>
-  <Edit>AssetEditForm</Edit>
-  <New>DocumentLibraryForm</New>
-</FormTemplates>
-</file>
-
-<file path=customXml/item2.xml><?xml version="1.0" encoding="utf-8"?>
 <ct:contentTypeSchema xmlns:ct="http://schemas.microsoft.com/office/2006/metadata/contentType" xmlns:ma="http://schemas.microsoft.com/office/2006/metadata/properties/metaAttributes" ct:_="" ma:_="" ma:contentTypeName="TemplateFile" ma:contentTypeID="0x0101006EDDDB5EE6D98C44930B742096920B300400F5B6D36B3EF94B4E9A635CDF2A18F5B8" ma:contentTypeVersion="72" ma:contentTypeDescription="Create a new document." ma:contentTypeScope="" ma:versionID="a23e56308344d904b51738559c3d67c9">
   <xsd:schema xmlns:xsd="http://www.w3.org/2001/XMLSchema" xmlns:xs="http://www.w3.org/2001/XMLSchema" xmlns:p="http://schemas.microsoft.com/office/2006/metadata/properties" xmlns:ns2="4873beb7-5857-4685-be1f-d57550cc96cc" targetNamespace="http://schemas.microsoft.com/office/2006/metadata/properties" ma:root="true" ma:fieldsID="cd0908cc4600e77bf5da051303e00c8d" ns2:_="">
     <xsd:import namespace="4873beb7-5857-4685-be1f-d57550cc96cc"/>
@@ -21176,6 +21167,15 @@
 </ct:contentTypeSchema>
 </file>
 
+<file path=customXml/item2.xml><?xml version="1.0" encoding="utf-8"?>
+<?mso-contentType ?>
+<FormTemplates xmlns="http://schemas.microsoft.com/sharepoint/v3/contenttype/forms">
+  <Display>DocumentLibraryForm</Display>
+  <Edit>AssetEditForm</Edit>
+  <New>DocumentLibraryForm</New>
+</FormTemplates>
+</file>
+
 <file path=customXml/item3.xml><?xml version="1.0" encoding="utf-8"?>
 <p:properties xmlns:p="http://schemas.microsoft.com/office/2006/metadata/properties" xmlns:xsi="http://www.w3.org/2001/XMLSchema-instance" xmlns:pc="http://schemas.microsoft.com/office/infopath/2007/PartnerControls">
   <documentManagement>
@@ -21313,14 +21313,6 @@
 </file>
 
 <file path=customXml/itemProps1.xml><?xml version="1.0" encoding="utf-8"?>
-<ds:datastoreItem xmlns:ds="http://schemas.openxmlformats.org/officeDocument/2006/customXml" ds:itemID="{3836F65B-1B07-41EE-A0E8-BC6EF3855225}">
-  <ds:schemaRefs>
-    <ds:schemaRef ds:uri="http://schemas.microsoft.com/sharepoint/v3/contenttype/forms"/>
-  </ds:schemaRefs>
-</ds:datastoreItem>
-</file>
-
-<file path=customXml/itemProps2.xml><?xml version="1.0" encoding="utf-8"?>
 <ds:datastoreItem xmlns:ds="http://schemas.openxmlformats.org/officeDocument/2006/customXml" ds:itemID="{A09BF4D4-EF60-4196-BFC3-9462D607978C}">
   <ds:schemaRefs>
     <ds:schemaRef ds:uri="http://schemas.microsoft.com/office/2006/metadata/contentType"/>
@@ -21334,6 +21326,14 @@
     <ds:schemaRef ds:uri="http://purl.org/dc/elements/1.1/"/>
     <ds:schemaRef ds:uri="http://purl.org/dc/terms/"/>
     <ds:schemaRef ds:uri="http://schemas.microsoft.com/internal/obd"/>
+  </ds:schemaRefs>
+</ds:datastoreItem>
+</file>
+
+<file path=customXml/itemProps2.xml><?xml version="1.0" encoding="utf-8"?>
+<ds:datastoreItem xmlns:ds="http://schemas.openxmlformats.org/officeDocument/2006/customXml" ds:itemID="{3836F65B-1B07-41EE-A0E8-BC6EF3855225}">
+  <ds:schemaRefs>
+    <ds:schemaRef ds:uri="http://schemas.microsoft.com/sharepoint/v3/contenttype/forms"/>
   </ds:schemaRefs>
 </ds:datastoreItem>
 </file>
